--- a/assets/images/Research/pipeline.pptx
+++ b/assets/images/Research/pipeline.pptx
@@ -261,7 +261,7 @@
           <a:p>
             <a:fld id="{FA586AEF-C801-4B2B-B2FD-3B00F64E2F4F}" type="datetimeFigureOut">
               <a:rPr lang="en-IE" smtClean="0"/>
-              <a:t>17/08/2021</a:t>
+              <a:t>03/12/2021</a:t>
             </a:fld>
             <a:endParaRPr lang="en-IE"/>
           </a:p>
@@ -461,7 +461,7 @@
           <a:p>
             <a:fld id="{FA586AEF-C801-4B2B-B2FD-3B00F64E2F4F}" type="datetimeFigureOut">
               <a:rPr lang="en-IE" smtClean="0"/>
-              <a:t>17/08/2021</a:t>
+              <a:t>03/12/2021</a:t>
             </a:fld>
             <a:endParaRPr lang="en-IE"/>
           </a:p>
@@ -671,7 +671,7 @@
           <a:p>
             <a:fld id="{FA586AEF-C801-4B2B-B2FD-3B00F64E2F4F}" type="datetimeFigureOut">
               <a:rPr lang="en-IE" smtClean="0"/>
-              <a:t>17/08/2021</a:t>
+              <a:t>03/12/2021</a:t>
             </a:fld>
             <a:endParaRPr lang="en-IE"/>
           </a:p>
@@ -871,7 +871,7 @@
           <a:p>
             <a:fld id="{FA586AEF-C801-4B2B-B2FD-3B00F64E2F4F}" type="datetimeFigureOut">
               <a:rPr lang="en-IE" smtClean="0"/>
-              <a:t>17/08/2021</a:t>
+              <a:t>03/12/2021</a:t>
             </a:fld>
             <a:endParaRPr lang="en-IE"/>
           </a:p>
@@ -1147,7 +1147,7 @@
           <a:p>
             <a:fld id="{FA586AEF-C801-4B2B-B2FD-3B00F64E2F4F}" type="datetimeFigureOut">
               <a:rPr lang="en-IE" smtClean="0"/>
-              <a:t>17/08/2021</a:t>
+              <a:t>03/12/2021</a:t>
             </a:fld>
             <a:endParaRPr lang="en-IE"/>
           </a:p>
@@ -1415,7 +1415,7 @@
           <a:p>
             <a:fld id="{FA586AEF-C801-4B2B-B2FD-3B00F64E2F4F}" type="datetimeFigureOut">
               <a:rPr lang="en-IE" smtClean="0"/>
-              <a:t>17/08/2021</a:t>
+              <a:t>03/12/2021</a:t>
             </a:fld>
             <a:endParaRPr lang="en-IE"/>
           </a:p>
@@ -1830,7 +1830,7 @@
           <a:p>
             <a:fld id="{FA586AEF-C801-4B2B-B2FD-3B00F64E2F4F}" type="datetimeFigureOut">
               <a:rPr lang="en-IE" smtClean="0"/>
-              <a:t>17/08/2021</a:t>
+              <a:t>03/12/2021</a:t>
             </a:fld>
             <a:endParaRPr lang="en-IE"/>
           </a:p>
@@ -1972,7 +1972,7 @@
           <a:p>
             <a:fld id="{FA586AEF-C801-4B2B-B2FD-3B00F64E2F4F}" type="datetimeFigureOut">
               <a:rPr lang="en-IE" smtClean="0"/>
-              <a:t>17/08/2021</a:t>
+              <a:t>03/12/2021</a:t>
             </a:fld>
             <a:endParaRPr lang="en-IE"/>
           </a:p>
@@ -2085,7 +2085,7 @@
           <a:p>
             <a:fld id="{FA586AEF-C801-4B2B-B2FD-3B00F64E2F4F}" type="datetimeFigureOut">
               <a:rPr lang="en-IE" smtClean="0"/>
-              <a:t>17/08/2021</a:t>
+              <a:t>03/12/2021</a:t>
             </a:fld>
             <a:endParaRPr lang="en-IE"/>
           </a:p>
@@ -2398,7 +2398,7 @@
           <a:p>
             <a:fld id="{FA586AEF-C801-4B2B-B2FD-3B00F64E2F4F}" type="datetimeFigureOut">
               <a:rPr lang="en-IE" smtClean="0"/>
-              <a:t>17/08/2021</a:t>
+              <a:t>03/12/2021</a:t>
             </a:fld>
             <a:endParaRPr lang="en-IE"/>
           </a:p>
@@ -2687,7 +2687,7 @@
           <a:p>
             <a:fld id="{FA586AEF-C801-4B2B-B2FD-3B00F64E2F4F}" type="datetimeFigureOut">
               <a:rPr lang="en-IE" smtClean="0"/>
-              <a:t>17/08/2021</a:t>
+              <a:t>03/12/2021</a:t>
             </a:fld>
             <a:endParaRPr lang="en-IE"/>
           </a:p>
@@ -2930,7 +2930,7 @@
           <a:p>
             <a:fld id="{FA586AEF-C801-4B2B-B2FD-3B00F64E2F4F}" type="datetimeFigureOut">
               <a:rPr lang="en-IE" smtClean="0"/>
-              <a:t>17/08/2021</a:t>
+              <a:t>03/12/2021</a:t>
             </a:fld>
             <a:endParaRPr lang="en-IE"/>
           </a:p>
@@ -3999,6 +3999,111 @@
           </a:fontRef>
         </p:style>
       </p:cxnSp>
+      <p:pic>
+        <p:nvPicPr>
+          <p:cNvPr id="11" name="Picture 10" descr="Chart, radar chart&#10;&#10;Description automatically generated">
+            <a:extLst>
+              <a:ext uri="{FF2B5EF4-FFF2-40B4-BE49-F238E27FC236}">
+                <a16:creationId xmlns:a16="http://schemas.microsoft.com/office/drawing/2014/main" id="{9DB4A7F8-1678-41B1-A71F-3495773F29B7}"/>
+              </a:ext>
+            </a:extLst>
+          </p:cNvPr>
+          <p:cNvPicPr>
+            <a:picLocks noChangeAspect="1"/>
+          </p:cNvPicPr>
+          <p:nvPr/>
+        </p:nvPicPr>
+        <p:blipFill rotWithShape="1">
+          <a:blip r:embed="rId9">
+            <a:extLst>
+              <a:ext uri="{28A0092B-C50C-407E-A947-70E740481C1C}">
+                <a14:useLocalDpi xmlns:a14="http://schemas.microsoft.com/office/drawing/2010/main" val="0"/>
+              </a:ext>
+            </a:extLst>
+          </a:blip>
+          <a:srcRect l="19721" t="20581" r="18274" b="9641"/>
+          <a:stretch/>
+        </p:blipFill>
+        <p:spPr>
+          <a:xfrm>
+            <a:off x="10164185" y="169521"/>
+            <a:ext cx="2687145" cy="2268000"/>
+          </a:xfrm>
+          <a:prstGeom prst="rect">
+            <a:avLst/>
+          </a:prstGeom>
+        </p:spPr>
+      </p:pic>
+      <p:pic>
+        <p:nvPicPr>
+          <p:cNvPr id="22" name="Picture 21" descr="Chart&#10;&#10;Description automatically generated">
+            <a:extLst>
+              <a:ext uri="{FF2B5EF4-FFF2-40B4-BE49-F238E27FC236}">
+                <a16:creationId xmlns:a16="http://schemas.microsoft.com/office/drawing/2014/main" id="{4C1A5F87-F9FD-45C3-BFF6-4D6C3BF8522A}"/>
+              </a:ext>
+            </a:extLst>
+          </p:cNvPr>
+          <p:cNvPicPr>
+            <a:picLocks noChangeAspect="1"/>
+          </p:cNvPicPr>
+          <p:nvPr/>
+        </p:nvPicPr>
+        <p:blipFill rotWithShape="1">
+          <a:blip r:embed="rId10">
+            <a:extLst>
+              <a:ext uri="{28A0092B-C50C-407E-A947-70E740481C1C}">
+                <a14:useLocalDpi xmlns:a14="http://schemas.microsoft.com/office/drawing/2010/main" val="0"/>
+              </a:ext>
+            </a:extLst>
+          </a:blip>
+          <a:srcRect l="19006" t="20888" r="18211" b="9751"/>
+          <a:stretch/>
+        </p:blipFill>
+        <p:spPr>
+          <a:xfrm>
+            <a:off x="11225644" y="2548483"/>
+            <a:ext cx="2737186" cy="2268000"/>
+          </a:xfrm>
+          <a:prstGeom prst="rect">
+            <a:avLst/>
+          </a:prstGeom>
+        </p:spPr>
+      </p:pic>
+      <p:pic>
+        <p:nvPicPr>
+          <p:cNvPr id="25" name="Picture 24" descr="Chart, line chart&#10;&#10;Description automatically generated">
+            <a:extLst>
+              <a:ext uri="{FF2B5EF4-FFF2-40B4-BE49-F238E27FC236}">
+                <a16:creationId xmlns:a16="http://schemas.microsoft.com/office/drawing/2014/main" id="{0E41B26F-855B-4F4C-9D17-B8EA8EF35C82}"/>
+              </a:ext>
+            </a:extLst>
+          </p:cNvPr>
+          <p:cNvPicPr>
+            <a:picLocks noChangeAspect="1"/>
+          </p:cNvPicPr>
+          <p:nvPr/>
+        </p:nvPicPr>
+        <p:blipFill rotWithShape="1">
+          <a:blip r:embed="rId11">
+            <a:extLst>
+              <a:ext uri="{28A0092B-C50C-407E-A947-70E740481C1C}">
+                <a14:useLocalDpi xmlns:a14="http://schemas.microsoft.com/office/drawing/2010/main" val="0"/>
+              </a:ext>
+            </a:extLst>
+          </a:blip>
+          <a:srcRect l="19580" t="20920" r="18041" b="9527"/>
+          <a:stretch/>
+        </p:blipFill>
+        <p:spPr>
+          <a:xfrm>
+            <a:off x="12269471" y="4965546"/>
+            <a:ext cx="2712093" cy="2268000"/>
+          </a:xfrm>
+          <a:prstGeom prst="rect">
+            <a:avLst/>
+          </a:prstGeom>
+        </p:spPr>
+      </p:pic>
     </p:spTree>
     <p:extLst>
       <p:ext uri="{BB962C8B-B14F-4D97-AF65-F5344CB8AC3E}">

--- a/assets/images/Research/pipeline.pptx
+++ b/assets/images/Research/pipeline.pptx
@@ -6,6 +6,7 @@
   </p:sldMasterIdLst>
   <p:sldIdLst>
     <p:sldId id="256" r:id="rId2"/>
+    <p:sldId id="257" r:id="rId3"/>
   </p:sldIdLst>
   <p:sldSz cx="12192000" cy="6858000"/>
   <p:notesSz cx="6858000" cy="9144000"/>
@@ -261,7 +262,7 @@
           <a:p>
             <a:fld id="{FA586AEF-C801-4B2B-B2FD-3B00F64E2F4F}" type="datetimeFigureOut">
               <a:rPr lang="en-IE" smtClean="0"/>
-              <a:t>03/12/2021</a:t>
+              <a:t>04/12/2021</a:t>
             </a:fld>
             <a:endParaRPr lang="en-IE"/>
           </a:p>
@@ -461,7 +462,7 @@
           <a:p>
             <a:fld id="{FA586AEF-C801-4B2B-B2FD-3B00F64E2F4F}" type="datetimeFigureOut">
               <a:rPr lang="en-IE" smtClean="0"/>
-              <a:t>03/12/2021</a:t>
+              <a:t>04/12/2021</a:t>
             </a:fld>
             <a:endParaRPr lang="en-IE"/>
           </a:p>
@@ -671,7 +672,7 @@
           <a:p>
             <a:fld id="{FA586AEF-C801-4B2B-B2FD-3B00F64E2F4F}" type="datetimeFigureOut">
               <a:rPr lang="en-IE" smtClean="0"/>
-              <a:t>03/12/2021</a:t>
+              <a:t>04/12/2021</a:t>
             </a:fld>
             <a:endParaRPr lang="en-IE"/>
           </a:p>
@@ -871,7 +872,7 @@
           <a:p>
             <a:fld id="{FA586AEF-C801-4B2B-B2FD-3B00F64E2F4F}" type="datetimeFigureOut">
               <a:rPr lang="en-IE" smtClean="0"/>
-              <a:t>03/12/2021</a:t>
+              <a:t>04/12/2021</a:t>
             </a:fld>
             <a:endParaRPr lang="en-IE"/>
           </a:p>
@@ -1147,7 +1148,7 @@
           <a:p>
             <a:fld id="{FA586AEF-C801-4B2B-B2FD-3B00F64E2F4F}" type="datetimeFigureOut">
               <a:rPr lang="en-IE" smtClean="0"/>
-              <a:t>03/12/2021</a:t>
+              <a:t>04/12/2021</a:t>
             </a:fld>
             <a:endParaRPr lang="en-IE"/>
           </a:p>
@@ -1415,7 +1416,7 @@
           <a:p>
             <a:fld id="{FA586AEF-C801-4B2B-B2FD-3B00F64E2F4F}" type="datetimeFigureOut">
               <a:rPr lang="en-IE" smtClean="0"/>
-              <a:t>03/12/2021</a:t>
+              <a:t>04/12/2021</a:t>
             </a:fld>
             <a:endParaRPr lang="en-IE"/>
           </a:p>
@@ -1830,7 +1831,7 @@
           <a:p>
             <a:fld id="{FA586AEF-C801-4B2B-B2FD-3B00F64E2F4F}" type="datetimeFigureOut">
               <a:rPr lang="en-IE" smtClean="0"/>
-              <a:t>03/12/2021</a:t>
+              <a:t>04/12/2021</a:t>
             </a:fld>
             <a:endParaRPr lang="en-IE"/>
           </a:p>
@@ -1972,7 +1973,7 @@
           <a:p>
             <a:fld id="{FA586AEF-C801-4B2B-B2FD-3B00F64E2F4F}" type="datetimeFigureOut">
               <a:rPr lang="en-IE" smtClean="0"/>
-              <a:t>03/12/2021</a:t>
+              <a:t>04/12/2021</a:t>
             </a:fld>
             <a:endParaRPr lang="en-IE"/>
           </a:p>
@@ -2085,7 +2086,7 @@
           <a:p>
             <a:fld id="{FA586AEF-C801-4B2B-B2FD-3B00F64E2F4F}" type="datetimeFigureOut">
               <a:rPr lang="en-IE" smtClean="0"/>
-              <a:t>03/12/2021</a:t>
+              <a:t>04/12/2021</a:t>
             </a:fld>
             <a:endParaRPr lang="en-IE"/>
           </a:p>
@@ -2398,7 +2399,7 @@
           <a:p>
             <a:fld id="{FA586AEF-C801-4B2B-B2FD-3B00F64E2F4F}" type="datetimeFigureOut">
               <a:rPr lang="en-IE" smtClean="0"/>
-              <a:t>03/12/2021</a:t>
+              <a:t>04/12/2021</a:t>
             </a:fld>
             <a:endParaRPr lang="en-IE"/>
           </a:p>
@@ -2687,7 +2688,7 @@
           <a:p>
             <a:fld id="{FA586AEF-C801-4B2B-B2FD-3B00F64E2F4F}" type="datetimeFigureOut">
               <a:rPr lang="en-IE" smtClean="0"/>
-              <a:t>03/12/2021</a:t>
+              <a:t>04/12/2021</a:t>
             </a:fld>
             <a:endParaRPr lang="en-IE"/>
           </a:p>
@@ -2930,7 +2931,7 @@
           <a:p>
             <a:fld id="{FA586AEF-C801-4B2B-B2FD-3B00F64E2F4F}" type="datetimeFigureOut">
               <a:rPr lang="en-IE" smtClean="0"/>
-              <a:t>03/12/2021</a:t>
+              <a:t>04/12/2021</a:t>
             </a:fld>
             <a:endParaRPr lang="en-IE"/>
           </a:p>
@@ -3362,7 +3363,7 @@
         <p:spPr>
           <a:xfrm>
             <a:off x="-2423886" y="-812800"/>
-            <a:ext cx="14761029" cy="8171543"/>
+            <a:ext cx="17405450" cy="8171543"/>
           </a:xfrm>
           <a:prstGeom prst="rect">
             <a:avLst/>
@@ -4108,6 +4109,746 @@
     <p:extLst>
       <p:ext uri="{BB962C8B-B14F-4D97-AF65-F5344CB8AC3E}">
         <p14:creationId xmlns:p14="http://schemas.microsoft.com/office/powerpoint/2010/main" val="297308889"/>
+      </p:ext>
+    </p:extLst>
+  </p:cSld>
+  <p:clrMapOvr>
+    <a:masterClrMapping/>
+  </p:clrMapOvr>
+</p:sld>
+</file>
+
+<file path=ppt/slides/slide2.xml><?xml version="1.0" encoding="utf-8"?>
+<p:sld xmlns:a="http://schemas.openxmlformats.org/drawingml/2006/main" xmlns:r="http://schemas.openxmlformats.org/officeDocument/2006/relationships" xmlns:p="http://schemas.openxmlformats.org/presentationml/2006/main">
+  <p:cSld>
+    <p:spTree>
+      <p:nvGrpSpPr>
+        <p:cNvPr id="1" name=""/>
+        <p:cNvGrpSpPr/>
+        <p:nvPr/>
+      </p:nvGrpSpPr>
+      <p:grpSpPr>
+        <a:xfrm>
+          <a:off x="0" y="0"/>
+          <a:ext cx="0" cy="0"/>
+          <a:chOff x="0" y="0"/>
+          <a:chExt cx="0" cy="0"/>
+        </a:xfrm>
+      </p:grpSpPr>
+      <p:sp>
+        <p:nvSpPr>
+          <p:cNvPr id="23" name="Rectangle 22">
+            <a:extLst>
+              <a:ext uri="{FF2B5EF4-FFF2-40B4-BE49-F238E27FC236}">
+                <a16:creationId xmlns:a16="http://schemas.microsoft.com/office/drawing/2014/main" id="{3A2CC084-D6BB-449F-BA44-9F5BD9EC8C57}"/>
+              </a:ext>
+            </a:extLst>
+          </p:cNvPr>
+          <p:cNvSpPr/>
+          <p:nvPr/>
+        </p:nvSpPr>
+        <p:spPr>
+          <a:xfrm>
+            <a:off x="-2423886" y="-812800"/>
+            <a:ext cx="17405450" cy="8171543"/>
+          </a:xfrm>
+          <a:prstGeom prst="rect">
+            <a:avLst/>
+          </a:prstGeom>
+          <a:solidFill>
+            <a:schemeClr val="bg1"/>
+          </a:solidFill>
+          <a:ln>
+            <a:noFill/>
+          </a:ln>
+        </p:spPr>
+        <p:style>
+          <a:lnRef idx="2">
+            <a:schemeClr val="accent1">
+              <a:shade val="50000"/>
+            </a:schemeClr>
+          </a:lnRef>
+          <a:fillRef idx="1">
+            <a:schemeClr val="accent1"/>
+          </a:fillRef>
+          <a:effectRef idx="0">
+            <a:schemeClr val="accent1"/>
+          </a:effectRef>
+          <a:fontRef idx="minor">
+            <a:schemeClr val="lt1"/>
+          </a:fontRef>
+        </p:style>
+        <p:txBody>
+          <a:bodyPr rtlCol="0" anchor="ctr"/>
+          <a:lstStyle/>
+          <a:p>
+            <a:pPr algn="ctr"/>
+            <a:endParaRPr lang="en-IE"/>
+          </a:p>
+        </p:txBody>
+      </p:sp>
+      <p:pic>
+        <p:nvPicPr>
+          <p:cNvPr id="4" name="Picture 3">
+            <a:extLst>
+              <a:ext uri="{FF2B5EF4-FFF2-40B4-BE49-F238E27FC236}">
+                <a16:creationId xmlns:a16="http://schemas.microsoft.com/office/drawing/2014/main" id="{90AC7EF1-7E10-432A-93E1-64987300ED3A}"/>
+              </a:ext>
+            </a:extLst>
+          </p:cNvPr>
+          <p:cNvPicPr/>
+          <p:nvPr/>
+        </p:nvPicPr>
+        <p:blipFill>
+          <a:blip r:embed="rId2">
+            <a:extLst>
+              <a:ext uri="{28A0092B-C50C-407E-A947-70E740481C1C}">
+                <a14:useLocalDpi xmlns:a14="http://schemas.microsoft.com/office/drawing/2010/main" val="0"/>
+              </a:ext>
+            </a:extLst>
+          </a:blip>
+          <a:srcRect/>
+          <a:stretch>
+            <a:fillRect/>
+          </a:stretch>
+        </p:blipFill>
+        <p:spPr bwMode="auto">
+          <a:xfrm>
+            <a:off x="-2016425" y="99725"/>
+            <a:ext cx="2159635" cy="2159635"/>
+          </a:xfrm>
+          <a:prstGeom prst="rect">
+            <a:avLst/>
+          </a:prstGeom>
+          <a:noFill/>
+          <a:ln>
+            <a:noFill/>
+          </a:ln>
+        </p:spPr>
+      </p:pic>
+      <p:pic>
+        <p:nvPicPr>
+          <p:cNvPr id="5" name="Picture 4">
+            <a:extLst>
+              <a:ext uri="{FF2B5EF4-FFF2-40B4-BE49-F238E27FC236}">
+                <a16:creationId xmlns:a16="http://schemas.microsoft.com/office/drawing/2014/main" id="{A62136C2-F8B5-4FA3-83B8-EC99EE78A042}"/>
+              </a:ext>
+            </a:extLst>
+          </p:cNvPr>
+          <p:cNvPicPr/>
+          <p:nvPr/>
+        </p:nvPicPr>
+        <p:blipFill>
+          <a:blip r:embed="rId3">
+            <a:extLst>
+              <a:ext uri="{28A0092B-C50C-407E-A947-70E740481C1C}">
+                <a14:useLocalDpi xmlns:a14="http://schemas.microsoft.com/office/drawing/2010/main" val="0"/>
+              </a:ext>
+            </a:extLst>
+          </a:blip>
+          <a:srcRect/>
+          <a:stretch>
+            <a:fillRect/>
+          </a:stretch>
+        </p:blipFill>
+        <p:spPr bwMode="auto">
+          <a:xfrm>
+            <a:off x="-936607" y="2509857"/>
+            <a:ext cx="2159635" cy="2159635"/>
+          </a:xfrm>
+          <a:prstGeom prst="rect">
+            <a:avLst/>
+          </a:prstGeom>
+          <a:noFill/>
+          <a:ln>
+            <a:noFill/>
+          </a:ln>
+        </p:spPr>
+      </p:pic>
+      <p:pic>
+        <p:nvPicPr>
+          <p:cNvPr id="6" name="Picture 5">
+            <a:extLst>
+              <a:ext uri="{FF2B5EF4-FFF2-40B4-BE49-F238E27FC236}">
+                <a16:creationId xmlns:a16="http://schemas.microsoft.com/office/drawing/2014/main" id="{912C9CEC-506A-44CC-95DF-AC6B6DB51603}"/>
+              </a:ext>
+            </a:extLst>
+          </p:cNvPr>
+          <p:cNvPicPr/>
+          <p:nvPr/>
+        </p:nvPicPr>
+        <p:blipFill>
+          <a:blip r:embed="rId4">
+            <a:extLst>
+              <a:ext uri="{28A0092B-C50C-407E-A947-70E740481C1C}">
+                <a14:useLocalDpi xmlns:a14="http://schemas.microsoft.com/office/drawing/2010/main" val="0"/>
+              </a:ext>
+            </a:extLst>
+          </a:blip>
+          <a:srcRect/>
+          <a:stretch>
+            <a:fillRect/>
+          </a:stretch>
+        </p:blipFill>
+        <p:spPr bwMode="auto">
+          <a:xfrm>
+            <a:off x="143210" y="4919989"/>
+            <a:ext cx="2159635" cy="2159635"/>
+          </a:xfrm>
+          <a:prstGeom prst="rect">
+            <a:avLst/>
+          </a:prstGeom>
+          <a:noFill/>
+          <a:ln>
+            <a:noFill/>
+          </a:ln>
+        </p:spPr>
+      </p:pic>
+      <p:pic>
+        <p:nvPicPr>
+          <p:cNvPr id="7" name="Picture 6" descr="A picture containing chart&#10;&#10;Description automatically generated">
+            <a:extLst>
+              <a:ext uri="{FF2B5EF4-FFF2-40B4-BE49-F238E27FC236}">
+                <a16:creationId xmlns:a16="http://schemas.microsoft.com/office/drawing/2014/main" id="{10CD0329-2413-4F36-A1A0-6DEE31121DF5}"/>
+              </a:ext>
+            </a:extLst>
+          </p:cNvPr>
+          <p:cNvPicPr>
+            <a:picLocks noChangeAspect="1"/>
+          </p:cNvPicPr>
+          <p:nvPr/>
+        </p:nvPicPr>
+        <p:blipFill>
+          <a:blip r:embed="rId5">
+            <a:extLst>
+              <a:ext uri="{28A0092B-C50C-407E-A947-70E740481C1C}">
+                <a14:useLocalDpi xmlns:a14="http://schemas.microsoft.com/office/drawing/2010/main" val="0"/>
+              </a:ext>
+            </a:extLst>
+          </a:blip>
+          <a:stretch>
+            <a:fillRect/>
+          </a:stretch>
+        </p:blipFill>
+        <p:spPr>
+          <a:xfrm>
+            <a:off x="-2028811" y="8361516"/>
+            <a:ext cx="4536668" cy="2268000"/>
+          </a:xfrm>
+          <a:prstGeom prst="rect">
+            <a:avLst/>
+          </a:prstGeom>
+        </p:spPr>
+      </p:pic>
+      <p:pic>
+        <p:nvPicPr>
+          <p:cNvPr id="8" name="Picture 7" descr="A picture containing chart&#10;&#10;Description automatically generated">
+            <a:extLst>
+              <a:ext uri="{FF2B5EF4-FFF2-40B4-BE49-F238E27FC236}">
+                <a16:creationId xmlns:a16="http://schemas.microsoft.com/office/drawing/2014/main" id="{E396760A-3E3E-40CF-A229-CF0326BD3764}"/>
+              </a:ext>
+            </a:extLst>
+          </p:cNvPr>
+          <p:cNvPicPr>
+            <a:picLocks noChangeAspect="1"/>
+          </p:cNvPicPr>
+          <p:nvPr/>
+        </p:nvPicPr>
+        <p:blipFill>
+          <a:blip r:embed="rId6">
+            <a:extLst>
+              <a:ext uri="{28A0092B-C50C-407E-A947-70E740481C1C}">
+                <a14:useLocalDpi xmlns:a14="http://schemas.microsoft.com/office/drawing/2010/main" val="0"/>
+              </a:ext>
+            </a:extLst>
+          </a:blip>
+          <a:stretch>
+            <a:fillRect/>
+          </a:stretch>
+        </p:blipFill>
+        <p:spPr>
+          <a:xfrm>
+            <a:off x="-936611" y="10774187"/>
+            <a:ext cx="4536668" cy="2268000"/>
+          </a:xfrm>
+          <a:prstGeom prst="rect">
+            <a:avLst/>
+          </a:prstGeom>
+        </p:spPr>
+      </p:pic>
+      <p:pic>
+        <p:nvPicPr>
+          <p:cNvPr id="9" name="Picture 8" descr="A picture containing chart&#10;&#10;Description automatically generated">
+            <a:extLst>
+              <a:ext uri="{FF2B5EF4-FFF2-40B4-BE49-F238E27FC236}">
+                <a16:creationId xmlns:a16="http://schemas.microsoft.com/office/drawing/2014/main" id="{6851A3BA-82CB-4FD1-B008-FDC431141F74}"/>
+              </a:ext>
+            </a:extLst>
+          </p:cNvPr>
+          <p:cNvPicPr>
+            <a:picLocks noChangeAspect="1"/>
+          </p:cNvPicPr>
+          <p:nvPr/>
+        </p:nvPicPr>
+        <p:blipFill>
+          <a:blip r:embed="rId7">
+            <a:extLst>
+              <a:ext uri="{28A0092B-C50C-407E-A947-70E740481C1C}">
+                <a14:useLocalDpi xmlns:a14="http://schemas.microsoft.com/office/drawing/2010/main" val="0"/>
+              </a:ext>
+            </a:extLst>
+          </a:blip>
+          <a:stretch>
+            <a:fillRect/>
+          </a:stretch>
+        </p:blipFill>
+        <p:spPr>
+          <a:xfrm>
+            <a:off x="131141" y="13184318"/>
+            <a:ext cx="4536668" cy="2268000"/>
+          </a:xfrm>
+          <a:prstGeom prst="rect">
+            <a:avLst/>
+          </a:prstGeom>
+        </p:spPr>
+      </p:pic>
+      <p:pic>
+        <p:nvPicPr>
+          <p:cNvPr id="10" name="Picture 9">
+            <a:extLst>
+              <a:ext uri="{FF2B5EF4-FFF2-40B4-BE49-F238E27FC236}">
+                <a16:creationId xmlns:a16="http://schemas.microsoft.com/office/drawing/2014/main" id="{79427591-6AD2-4D5B-BFFD-43FFC4D54E76}"/>
+              </a:ext>
+            </a:extLst>
+          </p:cNvPr>
+          <p:cNvPicPr>
+            <a:picLocks noChangeAspect="1"/>
+          </p:cNvPicPr>
+          <p:nvPr/>
+        </p:nvPicPr>
+        <p:blipFill rotWithShape="1">
+          <a:blip r:embed="rId8">
+            <a:extLst>
+              <a:ext uri="{28A0092B-C50C-407E-A947-70E740481C1C}">
+                <a14:useLocalDpi xmlns:a14="http://schemas.microsoft.com/office/drawing/2010/main" val="0"/>
+              </a:ext>
+            </a:extLst>
+          </a:blip>
+          <a:srcRect t="11282"/>
+          <a:stretch/>
+        </p:blipFill>
+        <p:spPr>
+          <a:xfrm>
+            <a:off x="2473344" y="5341093"/>
+            <a:ext cx="2564714" cy="1516907"/>
+          </a:xfrm>
+          <a:prstGeom prst="rect">
+            <a:avLst/>
+          </a:prstGeom>
+        </p:spPr>
+      </p:pic>
+      <p:pic>
+        <p:nvPicPr>
+          <p:cNvPr id="12" name="Picture 11">
+            <a:extLst>
+              <a:ext uri="{FF2B5EF4-FFF2-40B4-BE49-F238E27FC236}">
+                <a16:creationId xmlns:a16="http://schemas.microsoft.com/office/drawing/2014/main" id="{5C33F503-0AE9-4865-BEBF-2265FE60003C}"/>
+              </a:ext>
+            </a:extLst>
+          </p:cNvPr>
+          <p:cNvPicPr>
+            <a:picLocks noChangeAspect="1"/>
+          </p:cNvPicPr>
+          <p:nvPr/>
+        </p:nvPicPr>
+        <p:blipFill rotWithShape="1">
+          <a:blip r:embed="rId8">
+            <a:extLst>
+              <a:ext uri="{28A0092B-C50C-407E-A947-70E740481C1C}">
+                <a14:useLocalDpi xmlns:a14="http://schemas.microsoft.com/office/drawing/2010/main" val="0"/>
+              </a:ext>
+            </a:extLst>
+          </a:blip>
+          <a:srcRect t="11282"/>
+          <a:stretch/>
+        </p:blipFill>
+        <p:spPr>
+          <a:xfrm>
+            <a:off x="1330687" y="2831220"/>
+            <a:ext cx="2564714" cy="1516907"/>
+          </a:xfrm>
+          <a:prstGeom prst="rect">
+            <a:avLst/>
+          </a:prstGeom>
+        </p:spPr>
+      </p:pic>
+      <p:pic>
+        <p:nvPicPr>
+          <p:cNvPr id="13" name="Picture 12">
+            <a:extLst>
+              <a:ext uri="{FF2B5EF4-FFF2-40B4-BE49-F238E27FC236}">
+                <a16:creationId xmlns:a16="http://schemas.microsoft.com/office/drawing/2014/main" id="{D7375CAB-94A9-4104-B73C-3A210CDBC0DB}"/>
+              </a:ext>
+            </a:extLst>
+          </p:cNvPr>
+          <p:cNvPicPr>
+            <a:picLocks noChangeAspect="1"/>
+          </p:cNvPicPr>
+          <p:nvPr/>
+        </p:nvPicPr>
+        <p:blipFill rotWithShape="1">
+          <a:blip r:embed="rId8">
+            <a:extLst>
+              <a:ext uri="{28A0092B-C50C-407E-A947-70E740481C1C}">
+                <a14:useLocalDpi xmlns:a14="http://schemas.microsoft.com/office/drawing/2010/main" val="0"/>
+              </a:ext>
+            </a:extLst>
+          </a:blip>
+          <a:srcRect t="11282"/>
+          <a:stretch/>
+        </p:blipFill>
+        <p:spPr>
+          <a:xfrm>
+            <a:off x="225787" y="430611"/>
+            <a:ext cx="2564714" cy="1516907"/>
+          </a:xfrm>
+          <a:prstGeom prst="rect">
+            <a:avLst/>
+          </a:prstGeom>
+        </p:spPr>
+      </p:pic>
+      <p:cxnSp>
+        <p:nvCxnSpPr>
+          <p:cNvPr id="14" name="Straight Arrow Connector 13">
+            <a:extLst>
+              <a:ext uri="{FF2B5EF4-FFF2-40B4-BE49-F238E27FC236}">
+                <a16:creationId xmlns:a16="http://schemas.microsoft.com/office/drawing/2014/main" id="{D64ED885-807F-4075-9CC0-ABC5B967EF0A}"/>
+              </a:ext>
+            </a:extLst>
+          </p:cNvPr>
+          <p:cNvCxnSpPr>
+            <a:cxnSpLocks/>
+          </p:cNvCxnSpPr>
+          <p:nvPr/>
+        </p:nvCxnSpPr>
+        <p:spPr>
+          <a:xfrm>
+            <a:off x="1762126" y="1352550"/>
+            <a:ext cx="0" cy="171450"/>
+          </a:xfrm>
+          <a:prstGeom prst="straightConnector1">
+            <a:avLst/>
+          </a:prstGeom>
+          <a:ln w="19050">
+            <a:solidFill>
+              <a:schemeClr val="tx1"/>
+            </a:solidFill>
+            <a:headEnd type="none" w="med" len="med"/>
+            <a:tailEnd type="arrow" w="sm" len="sm"/>
+          </a:ln>
+        </p:spPr>
+        <p:style>
+          <a:lnRef idx="1">
+            <a:schemeClr val="accent1"/>
+          </a:lnRef>
+          <a:fillRef idx="0">
+            <a:schemeClr val="accent1"/>
+          </a:fillRef>
+          <a:effectRef idx="0">
+            <a:schemeClr val="accent1"/>
+          </a:effectRef>
+          <a:fontRef idx="minor">
+            <a:schemeClr val="tx1"/>
+          </a:fontRef>
+        </p:style>
+      </p:cxnSp>
+      <p:cxnSp>
+        <p:nvCxnSpPr>
+          <p:cNvPr id="16" name="Straight Arrow Connector 15">
+            <a:extLst>
+              <a:ext uri="{FF2B5EF4-FFF2-40B4-BE49-F238E27FC236}">
+                <a16:creationId xmlns:a16="http://schemas.microsoft.com/office/drawing/2014/main" id="{FD78E968-38A3-4B6B-81DF-8F0FF23A20B2}"/>
+              </a:ext>
+            </a:extLst>
+          </p:cNvPr>
+          <p:cNvCxnSpPr>
+            <a:cxnSpLocks/>
+          </p:cNvCxnSpPr>
+          <p:nvPr/>
+        </p:nvCxnSpPr>
+        <p:spPr>
+          <a:xfrm>
+            <a:off x="2996566" y="3775710"/>
+            <a:ext cx="0" cy="171450"/>
+          </a:xfrm>
+          <a:prstGeom prst="straightConnector1">
+            <a:avLst/>
+          </a:prstGeom>
+          <a:ln w="19050">
+            <a:solidFill>
+              <a:schemeClr val="tx1"/>
+            </a:solidFill>
+            <a:headEnd type="none" w="med" len="med"/>
+            <a:tailEnd type="arrow" w="sm" len="sm"/>
+          </a:ln>
+        </p:spPr>
+        <p:style>
+          <a:lnRef idx="1">
+            <a:schemeClr val="accent1"/>
+          </a:lnRef>
+          <a:fillRef idx="0">
+            <a:schemeClr val="accent1"/>
+          </a:fillRef>
+          <a:effectRef idx="0">
+            <a:schemeClr val="accent1"/>
+          </a:effectRef>
+          <a:fontRef idx="minor">
+            <a:schemeClr val="tx1"/>
+          </a:fontRef>
+        </p:style>
+      </p:cxnSp>
+      <p:cxnSp>
+        <p:nvCxnSpPr>
+          <p:cNvPr id="17" name="Straight Arrow Connector 16">
+            <a:extLst>
+              <a:ext uri="{FF2B5EF4-FFF2-40B4-BE49-F238E27FC236}">
+                <a16:creationId xmlns:a16="http://schemas.microsoft.com/office/drawing/2014/main" id="{24A361FB-3BE4-4BDE-9FD9-C257E54D3C63}"/>
+              </a:ext>
+            </a:extLst>
+          </p:cNvPr>
+          <p:cNvCxnSpPr>
+            <a:cxnSpLocks/>
+          </p:cNvCxnSpPr>
+          <p:nvPr/>
+        </p:nvCxnSpPr>
+        <p:spPr>
+          <a:xfrm>
+            <a:off x="4261486" y="6292552"/>
+            <a:ext cx="0" cy="171450"/>
+          </a:xfrm>
+          <a:prstGeom prst="straightConnector1">
+            <a:avLst/>
+          </a:prstGeom>
+          <a:ln w="19050">
+            <a:solidFill>
+              <a:schemeClr val="tx1"/>
+            </a:solidFill>
+            <a:headEnd type="none" w="med" len="med"/>
+            <a:tailEnd type="arrow" w="sm" len="sm"/>
+          </a:ln>
+        </p:spPr>
+        <p:style>
+          <a:lnRef idx="1">
+            <a:schemeClr val="accent1"/>
+          </a:lnRef>
+          <a:fillRef idx="0">
+            <a:schemeClr val="accent1"/>
+          </a:fillRef>
+          <a:effectRef idx="0">
+            <a:schemeClr val="accent1"/>
+          </a:effectRef>
+          <a:fontRef idx="minor">
+            <a:schemeClr val="tx1"/>
+          </a:fontRef>
+        </p:style>
+      </p:cxnSp>
+      <p:sp>
+        <p:nvSpPr>
+          <p:cNvPr id="18" name="TextBox 17">
+            <a:extLst>
+              <a:ext uri="{FF2B5EF4-FFF2-40B4-BE49-F238E27FC236}">
+                <a16:creationId xmlns:a16="http://schemas.microsoft.com/office/drawing/2014/main" id="{2D57FDE7-B655-45AF-910F-50851D4D31A7}"/>
+              </a:ext>
+            </a:extLst>
+          </p:cNvPr>
+          <p:cNvSpPr txBox="1"/>
+          <p:nvPr/>
+        </p:nvSpPr>
+        <p:spPr>
+          <a:xfrm>
+            <a:off x="-2268702" y="-622368"/>
+            <a:ext cx="2664187" cy="369332"/>
+          </a:xfrm>
+          <a:prstGeom prst="rect">
+            <a:avLst/>
+          </a:prstGeom>
+          <a:solidFill>
+            <a:schemeClr val="bg1"/>
+          </a:solidFill>
+          <a:ln>
+            <a:solidFill>
+              <a:schemeClr val="tx1"/>
+            </a:solidFill>
+          </a:ln>
+        </p:spPr>
+        <p:txBody>
+          <a:bodyPr wrap="square" rtlCol="0">
+            <a:spAutoFit/>
+          </a:bodyPr>
+          <a:lstStyle/>
+          <a:p>
+            <a:pPr algn="ctr"/>
+            <a:r>
+              <a:rPr lang="en-GB" dirty="0"/>
+              <a:t>Pre-collision phase</a:t>
+            </a:r>
+            <a:endParaRPr lang="en-IE" dirty="0"/>
+          </a:p>
+        </p:txBody>
+      </p:sp>
+      <p:sp>
+        <p:nvSpPr>
+          <p:cNvPr id="19" name="TextBox 18">
+            <a:extLst>
+              <a:ext uri="{FF2B5EF4-FFF2-40B4-BE49-F238E27FC236}">
+                <a16:creationId xmlns:a16="http://schemas.microsoft.com/office/drawing/2014/main" id="{23EC760C-F05C-429A-9196-4B15C709F86F}"/>
+              </a:ext>
+            </a:extLst>
+          </p:cNvPr>
+          <p:cNvSpPr txBox="1"/>
+          <p:nvPr/>
+        </p:nvSpPr>
+        <p:spPr>
+          <a:xfrm>
+            <a:off x="-2268702" y="7641963"/>
+            <a:ext cx="2664187" cy="369332"/>
+          </a:xfrm>
+          <a:prstGeom prst="rect">
+            <a:avLst/>
+          </a:prstGeom>
+          <a:solidFill>
+            <a:schemeClr val="bg1"/>
+          </a:solidFill>
+          <a:ln>
+            <a:solidFill>
+              <a:schemeClr val="tx1"/>
+            </a:solidFill>
+          </a:ln>
+        </p:spPr>
+        <p:txBody>
+          <a:bodyPr wrap="square" rtlCol="0">
+            <a:spAutoFit/>
+          </a:bodyPr>
+          <a:lstStyle/>
+          <a:p>
+            <a:pPr algn="ctr"/>
+            <a:r>
+              <a:rPr lang="en-GB" dirty="0"/>
+              <a:t>Collision phase</a:t>
+            </a:r>
+            <a:endParaRPr lang="en-IE" dirty="0"/>
+          </a:p>
+        </p:txBody>
+      </p:sp>
+      <p:pic>
+        <p:nvPicPr>
+          <p:cNvPr id="11" name="Picture 10" descr="Chart, radar chart&#10;&#10;Description automatically generated">
+            <a:extLst>
+              <a:ext uri="{FF2B5EF4-FFF2-40B4-BE49-F238E27FC236}">
+                <a16:creationId xmlns:a16="http://schemas.microsoft.com/office/drawing/2014/main" id="{9DB4A7F8-1678-41B1-A71F-3495773F29B7}"/>
+              </a:ext>
+            </a:extLst>
+          </p:cNvPr>
+          <p:cNvPicPr>
+            <a:picLocks noChangeAspect="1"/>
+          </p:cNvPicPr>
+          <p:nvPr/>
+        </p:nvPicPr>
+        <p:blipFill rotWithShape="1">
+          <a:blip r:embed="rId9">
+            <a:extLst>
+              <a:ext uri="{28A0092B-C50C-407E-A947-70E740481C1C}">
+                <a14:useLocalDpi xmlns:a14="http://schemas.microsoft.com/office/drawing/2010/main" val="0"/>
+              </a:ext>
+            </a:extLst>
+          </a:blip>
+          <a:srcRect l="19721" t="20581" r="18274" b="9641"/>
+          <a:stretch/>
+        </p:blipFill>
+        <p:spPr>
+          <a:xfrm>
+            <a:off x="2703637" y="8433852"/>
+            <a:ext cx="2687145" cy="2268000"/>
+          </a:xfrm>
+          <a:prstGeom prst="rect">
+            <a:avLst/>
+          </a:prstGeom>
+        </p:spPr>
+      </p:pic>
+      <p:pic>
+        <p:nvPicPr>
+          <p:cNvPr id="22" name="Picture 21" descr="Chart&#10;&#10;Description automatically generated">
+            <a:extLst>
+              <a:ext uri="{FF2B5EF4-FFF2-40B4-BE49-F238E27FC236}">
+                <a16:creationId xmlns:a16="http://schemas.microsoft.com/office/drawing/2014/main" id="{4C1A5F87-F9FD-45C3-BFF6-4D6C3BF8522A}"/>
+              </a:ext>
+            </a:extLst>
+          </p:cNvPr>
+          <p:cNvPicPr>
+            <a:picLocks noChangeAspect="1"/>
+          </p:cNvPicPr>
+          <p:nvPr/>
+        </p:nvPicPr>
+        <p:blipFill rotWithShape="1">
+          <a:blip r:embed="rId10">
+            <a:extLst>
+              <a:ext uri="{28A0092B-C50C-407E-A947-70E740481C1C}">
+                <a14:useLocalDpi xmlns:a14="http://schemas.microsoft.com/office/drawing/2010/main" val="0"/>
+              </a:ext>
+            </a:extLst>
+          </a:blip>
+          <a:srcRect l="19006" t="20888" r="18211" b="9751"/>
+          <a:stretch/>
+        </p:blipFill>
+        <p:spPr>
+          <a:xfrm>
+            <a:off x="3765096" y="10812814"/>
+            <a:ext cx="2737186" cy="2268000"/>
+          </a:xfrm>
+          <a:prstGeom prst="rect">
+            <a:avLst/>
+          </a:prstGeom>
+        </p:spPr>
+      </p:pic>
+      <p:pic>
+        <p:nvPicPr>
+          <p:cNvPr id="25" name="Picture 24" descr="Chart, line chart&#10;&#10;Description automatically generated">
+            <a:extLst>
+              <a:ext uri="{FF2B5EF4-FFF2-40B4-BE49-F238E27FC236}">
+                <a16:creationId xmlns:a16="http://schemas.microsoft.com/office/drawing/2014/main" id="{0E41B26F-855B-4F4C-9D17-B8EA8EF35C82}"/>
+              </a:ext>
+            </a:extLst>
+          </p:cNvPr>
+          <p:cNvPicPr>
+            <a:picLocks noChangeAspect="1"/>
+          </p:cNvPicPr>
+          <p:nvPr/>
+        </p:nvPicPr>
+        <p:blipFill rotWithShape="1">
+          <a:blip r:embed="rId11">
+            <a:extLst>
+              <a:ext uri="{28A0092B-C50C-407E-A947-70E740481C1C}">
+                <a14:useLocalDpi xmlns:a14="http://schemas.microsoft.com/office/drawing/2010/main" val="0"/>
+              </a:ext>
+            </a:extLst>
+          </a:blip>
+          <a:srcRect l="19580" t="20920" r="18041" b="9527"/>
+          <a:stretch/>
+        </p:blipFill>
+        <p:spPr>
+          <a:xfrm>
+            <a:off x="4808923" y="13229877"/>
+            <a:ext cx="2712093" cy="2268000"/>
+          </a:xfrm>
+          <a:prstGeom prst="rect">
+            <a:avLst/>
+          </a:prstGeom>
+        </p:spPr>
+      </p:pic>
+    </p:spTree>
+    <p:extLst>
+      <p:ext uri="{BB962C8B-B14F-4D97-AF65-F5344CB8AC3E}">
+        <p14:creationId xmlns:p14="http://schemas.microsoft.com/office/powerpoint/2010/main" val="3984016617"/>
       </p:ext>
     </p:extLst>
   </p:cSld>
